--- a/Documentos/3ºEntrega/Vídeo, PPTX, Poster/Languify Presentation.pptx
+++ b/Documentos/3ºEntrega/Vídeo, PPTX, Poster/Languify Presentation.pptx
@@ -277,7 +277,7 @@
           <a:p>
             <a:fld id="{1622061E-47BA-DF4D-B5E6-74C4E07F26D2}" type="datetimeFigureOut">
               <a:rPr lang="en-PT" smtClean="0"/>
-              <a:t>12/12/2025</a:t>
+              <a:t>12/14/25</a:t>
             </a:fld>
             <a:endParaRPr lang="en-PT"/>
           </a:p>
@@ -477,7 +477,7 @@
           <a:p>
             <a:fld id="{1622061E-47BA-DF4D-B5E6-74C4E07F26D2}" type="datetimeFigureOut">
               <a:rPr lang="en-PT" smtClean="0"/>
-              <a:t>12/12/2025</a:t>
+              <a:t>12/14/25</a:t>
             </a:fld>
             <a:endParaRPr lang="en-PT"/>
           </a:p>
@@ -687,7 +687,7 @@
           <a:p>
             <a:fld id="{1622061E-47BA-DF4D-B5E6-74C4E07F26D2}" type="datetimeFigureOut">
               <a:rPr lang="en-PT" smtClean="0"/>
-              <a:t>12/12/2025</a:t>
+              <a:t>12/14/25</a:t>
             </a:fld>
             <a:endParaRPr lang="en-PT"/>
           </a:p>
@@ -887,7 +887,7 @@
           <a:p>
             <a:fld id="{1622061E-47BA-DF4D-B5E6-74C4E07F26D2}" type="datetimeFigureOut">
               <a:rPr lang="en-PT" smtClean="0"/>
-              <a:t>12/12/2025</a:t>
+              <a:t>12/14/25</a:t>
             </a:fld>
             <a:endParaRPr lang="en-PT"/>
           </a:p>
@@ -1163,7 +1163,7 @@
           <a:p>
             <a:fld id="{1622061E-47BA-DF4D-B5E6-74C4E07F26D2}" type="datetimeFigureOut">
               <a:rPr lang="en-PT" smtClean="0"/>
-              <a:t>12/12/2025</a:t>
+              <a:t>12/14/25</a:t>
             </a:fld>
             <a:endParaRPr lang="en-PT"/>
           </a:p>
@@ -1431,7 +1431,7 @@
           <a:p>
             <a:fld id="{1622061E-47BA-DF4D-B5E6-74C4E07F26D2}" type="datetimeFigureOut">
               <a:rPr lang="en-PT" smtClean="0"/>
-              <a:t>12/12/2025</a:t>
+              <a:t>12/14/25</a:t>
             </a:fld>
             <a:endParaRPr lang="en-PT"/>
           </a:p>
@@ -1846,7 +1846,7 @@
           <a:p>
             <a:fld id="{1622061E-47BA-DF4D-B5E6-74C4E07F26D2}" type="datetimeFigureOut">
               <a:rPr lang="en-PT" smtClean="0"/>
-              <a:t>12/12/2025</a:t>
+              <a:t>12/14/25</a:t>
             </a:fld>
             <a:endParaRPr lang="en-PT"/>
           </a:p>
@@ -1988,7 +1988,7 @@
           <a:p>
             <a:fld id="{1622061E-47BA-DF4D-B5E6-74C4E07F26D2}" type="datetimeFigureOut">
               <a:rPr lang="en-PT" smtClean="0"/>
-              <a:t>12/12/2025</a:t>
+              <a:t>12/14/25</a:t>
             </a:fld>
             <a:endParaRPr lang="en-PT"/>
           </a:p>
@@ -2101,7 +2101,7 @@
           <a:p>
             <a:fld id="{1622061E-47BA-DF4D-B5E6-74C4E07F26D2}" type="datetimeFigureOut">
               <a:rPr lang="en-PT" smtClean="0"/>
-              <a:t>12/12/2025</a:t>
+              <a:t>12/14/25</a:t>
             </a:fld>
             <a:endParaRPr lang="en-PT"/>
           </a:p>
@@ -2414,7 +2414,7 @@
           <a:p>
             <a:fld id="{1622061E-47BA-DF4D-B5E6-74C4E07F26D2}" type="datetimeFigureOut">
               <a:rPr lang="en-PT" smtClean="0"/>
-              <a:t>12/12/2025</a:t>
+              <a:t>12/14/25</a:t>
             </a:fld>
             <a:endParaRPr lang="en-PT"/>
           </a:p>
@@ -2703,7 +2703,7 @@
           <a:p>
             <a:fld id="{1622061E-47BA-DF4D-B5E6-74C4E07F26D2}" type="datetimeFigureOut">
               <a:rPr lang="en-PT" smtClean="0"/>
-              <a:t>12/12/2025</a:t>
+              <a:t>12/14/25</a:t>
             </a:fld>
             <a:endParaRPr lang="en-PT"/>
           </a:p>
@@ -2946,7 +2946,7 @@
           <a:p>
             <a:fld id="{1622061E-47BA-DF4D-B5E6-74C4E07F26D2}" type="datetimeFigureOut">
               <a:rPr lang="en-PT" smtClean="0"/>
-              <a:t>12/12/2025</a:t>
+              <a:t>12/14/25</a:t>
             </a:fld>
             <a:endParaRPr lang="en-PT"/>
           </a:p>
@@ -9412,6 +9412,96 @@
           </a:p>
         </p:txBody>
       </p:sp>
+      <p:pic>
+        <p:nvPicPr>
+          <p:cNvPr id="4" name="Picture 3" descr="A black cell phone with a white screen&#10;&#10;AI-generated content may be incorrect.">
+            <a:extLst>
+              <a:ext uri="{FF2B5EF4-FFF2-40B4-BE49-F238E27FC236}">
+                <a16:creationId xmlns:a16="http://schemas.microsoft.com/office/drawing/2014/main" id="{CD71041D-FDBD-0DAC-4DDD-69868AF4B5C6}"/>
+              </a:ext>
+            </a:extLst>
+          </p:cNvPr>
+          <p:cNvPicPr>
+            <a:picLocks noChangeAspect="1"/>
+          </p:cNvPicPr>
+          <p:nvPr/>
+        </p:nvPicPr>
+        <p:blipFill>
+          <a:blip r:embed="rId15"/>
+          <a:stretch>
+            <a:fillRect/>
+          </a:stretch>
+        </p:blipFill>
+        <p:spPr>
+          <a:xfrm>
+            <a:off x="3785748" y="1754201"/>
+            <a:ext cx="2310252" cy="4897308"/>
+          </a:xfrm>
+          <a:prstGeom prst="rect">
+            <a:avLst/>
+          </a:prstGeom>
+        </p:spPr>
+      </p:pic>
+      <p:pic>
+        <p:nvPicPr>
+          <p:cNvPr id="6" name="Picture 5" descr="A cell phone with a map&#10;&#10;AI-generated content may be incorrect.">
+            <a:extLst>
+              <a:ext uri="{FF2B5EF4-FFF2-40B4-BE49-F238E27FC236}">
+                <a16:creationId xmlns:a16="http://schemas.microsoft.com/office/drawing/2014/main" id="{0E2A6B71-65DA-C20D-3635-136623C72F4A}"/>
+              </a:ext>
+            </a:extLst>
+          </p:cNvPr>
+          <p:cNvPicPr>
+            <a:picLocks noChangeAspect="1"/>
+          </p:cNvPicPr>
+          <p:nvPr/>
+        </p:nvPicPr>
+        <p:blipFill>
+          <a:blip r:embed="rId16"/>
+          <a:stretch>
+            <a:fillRect/>
+          </a:stretch>
+        </p:blipFill>
+        <p:spPr>
+          <a:xfrm>
+            <a:off x="6473161" y="1754202"/>
+            <a:ext cx="2427362" cy="4897308"/>
+          </a:xfrm>
+          <a:prstGeom prst="rect">
+            <a:avLst/>
+          </a:prstGeom>
+        </p:spPr>
+      </p:pic>
+      <p:pic>
+        <p:nvPicPr>
+          <p:cNvPr id="9" name="Picture 8" descr="A screenshot of a phone&#10;&#10;AI-generated content may be incorrect.">
+            <a:extLst>
+              <a:ext uri="{FF2B5EF4-FFF2-40B4-BE49-F238E27FC236}">
+                <a16:creationId xmlns:a16="http://schemas.microsoft.com/office/drawing/2014/main" id="{FA53D46A-72D3-A525-68E0-CFE632D31F36}"/>
+              </a:ext>
+            </a:extLst>
+          </p:cNvPr>
+          <p:cNvPicPr>
+            <a:picLocks noChangeAspect="1"/>
+          </p:cNvPicPr>
+          <p:nvPr/>
+        </p:nvPicPr>
+        <p:blipFill>
+          <a:blip r:embed="rId17"/>
+          <a:stretch>
+            <a:fillRect/>
+          </a:stretch>
+        </p:blipFill>
+        <p:spPr>
+          <a:xfrm>
+            <a:off x="9236717" y="1735333"/>
+            <a:ext cx="2427362" cy="4916175"/>
+          </a:xfrm>
+          <a:prstGeom prst="rect">
+            <a:avLst/>
+          </a:prstGeom>
+        </p:spPr>
+      </p:pic>
     </p:spTree>
     <p:extLst>
       <p:ext uri="{BB962C8B-B14F-4D97-AF65-F5344CB8AC3E}">
